--- a/Lecture/03_Neural Networks Basics.pptx
+++ b/Lecture/03_Neural Networks Basics.pptx
@@ -219,7 +219,7 @@
           <a:p>
             <a:fld id="{4B5F89DA-71C3-4640-8B58-4DA582517687}" type="datetimeFigureOut">
               <a:rPr lang="zh-TW" altLang="en-US" smtClean="0"/>
-              <a:t>2020/10/30</a:t>
+              <a:t>2023/5/2</a:t>
             </a:fld>
             <a:endParaRPr lang="zh-TW" altLang="en-US"/>
           </a:p>
@@ -9965,9 +9965,7 @@
           <p:cNvGraphicFramePr>
             <a:graphicFrameLocks noGrp="1"/>
           </p:cNvGraphicFramePr>
-          <p:nvPr>
-            <p:extLst/>
-          </p:nvPr>
+          <p:nvPr/>
         </p:nvGraphicFramePr>
         <p:xfrm>
           <a:off x="2545024" y="3312322"/>
@@ -12298,7 +12296,6 @@
               <a:headEnd/>
               <a:tailEnd/>
             </a:ln>
-            <a:extLst/>
           </p:spPr>
           <p:style>
             <a:lnRef idx="2">
@@ -12388,7 +12385,6 @@
               <a:headEnd/>
               <a:tailEnd/>
             </a:ln>
-            <a:extLst/>
           </p:spPr>
           <p:style>
             <a:lnRef idx="2">
@@ -12500,7 +12496,6 @@
                 <a:headEnd/>
                 <a:tailEnd/>
               </a:ln>
-              <a:extLst/>
             </p:spPr>
             <p:style>
               <a:lnRef idx="2">
@@ -12583,7 +12578,6 @@
                 <a:headEnd/>
                 <a:tailEnd/>
               </a:ln>
-              <a:extLst/>
             </p:spPr>
             <p:style>
               <a:lnRef idx="1">
@@ -12632,7 +12626,6 @@
               <a:headEnd/>
               <a:tailEnd/>
             </a:ln>
-            <a:extLst/>
           </p:spPr>
           <p:style>
             <a:lnRef idx="2">
@@ -12952,7 +12945,6 @@
               <a:headEnd/>
               <a:tailEnd/>
             </a:ln>
-            <a:extLst/>
           </p:spPr>
           <p:style>
             <a:lnRef idx="1">
@@ -12996,7 +12988,6 @@
               <a:headEnd/>
               <a:tailEnd/>
             </a:ln>
-            <a:extLst/>
           </p:spPr>
           <p:style>
             <a:lnRef idx="1">
@@ -13040,7 +13031,6 @@
               <a:headEnd/>
               <a:tailEnd/>
             </a:ln>
-            <a:extLst/>
           </p:spPr>
           <p:style>
             <a:lnRef idx="1">
@@ -13703,6 +13693,9 @@
           <a:p>
             <a:r>
               <a:rPr lang="en-US" altLang="zh-TW" dirty="0">
+                <a:solidFill>
+                  <a:srgbClr val="FF0000"/>
+                </a:solidFill>
                 <a:latin typeface="微軟正黑體" panose="020B0604030504040204" pitchFamily="34" charset="-120"/>
                 <a:ea typeface="微軟正黑體" panose="020B0604030504040204" pitchFamily="34" charset="-120"/>
               </a:rPr>
@@ -13712,6 +13705,9 @@
           <a:p>
             <a:r>
               <a:rPr lang="en-US" altLang="zh-TW" dirty="0">
+                <a:solidFill>
+                  <a:srgbClr val="FF0000"/>
+                </a:solidFill>
                 <a:latin typeface="微軟正黑體" panose="020B0604030504040204" pitchFamily="34" charset="-120"/>
                 <a:ea typeface="微軟正黑體" panose="020B0604030504040204" pitchFamily="34" charset="-120"/>
               </a:rPr>
@@ -13719,12 +13715,18 @@
             </a:r>
             <a:r>
               <a:rPr lang="zh-TW" altLang="en-US" dirty="0">
+                <a:solidFill>
+                  <a:srgbClr val="FF0000"/>
+                </a:solidFill>
                 <a:latin typeface="微軟正黑體" panose="020B0604030504040204" pitchFamily="34" charset="-120"/>
                 <a:ea typeface="微軟正黑體" panose="020B0604030504040204" pitchFamily="34" charset="-120"/>
               </a:rPr>
               <a:t>及格</a:t>
             </a:r>
             <a:endParaRPr lang="en-US" altLang="zh-TW" dirty="0">
+              <a:solidFill>
+                <a:srgbClr val="FF0000"/>
+              </a:solidFill>
               <a:latin typeface="微軟正黑體" panose="020B0604030504040204" pitchFamily="34" charset="-120"/>
               <a:ea typeface="微軟正黑體" panose="020B0604030504040204" pitchFamily="34" charset="-120"/>
             </a:endParaRPr>
@@ -13732,6 +13734,9 @@
           <a:p>
             <a:r>
               <a:rPr lang="zh-TW" altLang="en-US" dirty="0">
+                <a:solidFill>
+                  <a:srgbClr val="FF0000"/>
+                </a:solidFill>
                 <a:latin typeface="微軟正黑體" panose="020B0604030504040204" pitchFamily="34" charset="-120"/>
                 <a:ea typeface="微軟正黑體" panose="020B0604030504040204" pitchFamily="34" charset="-120"/>
               </a:rPr>
@@ -13739,12 +13744,18 @@
             </a:r>
             <a:r>
               <a:rPr lang="en-US" altLang="zh-TW" dirty="0">
+                <a:solidFill>
+                  <a:srgbClr val="FF0000"/>
+                </a:solidFill>
                 <a:latin typeface="微軟正黑體" panose="020B0604030504040204" pitchFamily="34" charset="-120"/>
                 <a:ea typeface="微軟正黑體" panose="020B0604030504040204" pitchFamily="34" charset="-120"/>
               </a:rPr>
               <a:t>0.4 = W1,  0.6 = W2</a:t>
             </a:r>
             <a:endParaRPr lang="zh-TW" altLang="en-US" dirty="0">
+              <a:solidFill>
+                <a:srgbClr val="FF0000"/>
+              </a:solidFill>
               <a:latin typeface="微軟正黑體" panose="020B0604030504040204" pitchFamily="34" charset="-120"/>
               <a:ea typeface="微軟正黑體" panose="020B0604030504040204" pitchFamily="34" charset="-120"/>
             </a:endParaRPr>
@@ -14565,8 +14576,8 @@
           </a:p>
         </p:txBody>
       </p:sp>
-      <mc:AlternateContent xmlns:mc="http://schemas.openxmlformats.org/markup-compatibility/2006">
-        <mc:Choice xmlns:a14="http://schemas.microsoft.com/office/drawing/2010/main" Requires="a14">
+      <mc:AlternateContent xmlns:mc="http://schemas.openxmlformats.org/markup-compatibility/2006" xmlns:a14="http://schemas.microsoft.com/office/drawing/2010/main">
+        <mc:Choice Requires="a14">
           <p:sp>
             <p:nvSpPr>
               <p:cNvPr id="14" name="文字方塊 13">
@@ -14818,7 +14829,7 @@
             </p:txBody>
           </p:sp>
         </mc:Choice>
-        <mc:Fallback>
+        <mc:Fallback xmlns="">
           <p:sp>
             <p:nvSpPr>
               <p:cNvPr id="14" name="文字方塊 13">
@@ -15366,8 +15377,8 @@
           </a:p>
         </p:txBody>
       </p:sp>
-      <mc:AlternateContent xmlns:mc="http://schemas.openxmlformats.org/markup-compatibility/2006">
-        <mc:Choice xmlns:a14="http://schemas.microsoft.com/office/drawing/2010/main" Requires="a14">
+      <mc:AlternateContent xmlns:mc="http://schemas.openxmlformats.org/markup-compatibility/2006" xmlns:a14="http://schemas.microsoft.com/office/drawing/2010/main">
+        <mc:Choice Requires="a14">
           <p:sp>
             <p:nvSpPr>
               <p:cNvPr id="11" name="文字方塊 10">
@@ -15703,7 +15714,7 @@
             </p:txBody>
           </p:sp>
         </mc:Choice>
-        <mc:Fallback>
+        <mc:Fallback xmlns="">
           <p:sp>
             <p:nvSpPr>
               <p:cNvPr id="11" name="文字方塊 10">
